--- a/existenzgruendung/Schnabelpoint.pptx
+++ b/existenzgruendung/Schnabelpoint.pptx
@@ -10976,7 +10976,7 @@
         </p:nvSpPr>
         <p:spPr>
           <a:xfrm>
-            <a:off x="4975122" y="5683050"/>
+            <a:off x="4975122" y="5659698"/>
             <a:ext cx="2241755" cy="739880"/>
           </a:xfrm>
           <a:prstGeom prst="rect">
@@ -17266,7 +17266,7 @@
         </p:nvSpPr>
         <p:spPr>
           <a:xfrm>
-            <a:off x="838200" y="2364501"/>
+            <a:off x="838200" y="2383551"/>
             <a:ext cx="8059994" cy="2123080"/>
           </a:xfrm>
         </p:spPr>
@@ -18492,7 +18492,7 @@
         <p:spPr>
           <a:xfrm>
             <a:off x="838200" y="2386065"/>
-            <a:ext cx="4353605" cy="2048285"/>
+            <a:ext cx="4724400" cy="2424060"/>
           </a:xfrm>
         </p:spPr>
         <p:txBody>
@@ -18503,38 +18503,26 @@
           <a:p>
             <a:r>
               <a:rPr lang="de-DE" dirty="0"/>
-              <a:t>Startkapital</a:t>
+              <a:t>Startkapital (100.000€)</a:t>
             </a:r>
           </a:p>
           <a:p>
             <a:r>
               <a:rPr lang="de-DE" dirty="0"/>
-              <a:t>Server Kosten</a:t>
+              <a:t>Server Kosten (8.000€)</a:t>
             </a:r>
           </a:p>
           <a:p>
             <a:r>
               <a:rPr lang="de-DE" dirty="0"/>
-              <a:t>Personalkosten</a:t>
+              <a:t>Personalkosten (15.000€)</a:t>
             </a:r>
           </a:p>
           <a:p>
             <a:r>
               <a:rPr lang="de-DE" dirty="0"/>
-              <a:t>Miete</a:t>
+              <a:t>Miete (1.000€)</a:t>
             </a:r>
-          </a:p>
-          <a:p>
-            <a:pPr marL="0" indent="0">
-              <a:buNone/>
-            </a:pPr>
-            <a:endParaRPr lang="de-DE" dirty="0"/>
-          </a:p>
-          <a:p>
-            <a:pPr marL="0" indent="0">
-              <a:buNone/>
-            </a:pPr>
-            <a:endParaRPr lang="de-DE" dirty="0"/>
           </a:p>
           <a:p>
             <a:endParaRPr lang="de-DE" dirty="0"/>
@@ -18557,8 +18545,8 @@
         </p:nvSpPr>
         <p:spPr>
           <a:xfrm>
-            <a:off x="5474295" y="2386065"/>
-            <a:ext cx="5095382" cy="2048285"/>
+            <a:off x="5474294" y="2386065"/>
+            <a:ext cx="6260506" cy="2347860"/>
           </a:xfrm>
           <a:prstGeom prst="rect">
             <a:avLst/>
@@ -18735,7 +18723,7 @@
           <a:p>
             <a:r>
               <a:rPr lang="de-DE" dirty="0"/>
-              <a:t>Marketingkosten</a:t>
+              <a:t>Marketingkosten (10.000€)</a:t>
             </a:r>
           </a:p>
           <a:p>
@@ -18747,7 +18735,7 @@
           <a:p>
             <a:r>
               <a:rPr lang="de-DE" dirty="0"/>
-              <a:t>Erwartetes Einkommen</a:t>
+              <a:t>Erwartetes Einkommen (50.000€)</a:t>
             </a:r>
           </a:p>
           <a:p>
@@ -19328,52 +19316,37 @@
         <p:spPr>
           <a:xfrm>
             <a:off x="838200" y="2386065"/>
-            <a:ext cx="5766995" cy="2048285"/>
+            <a:ext cx="5766995" cy="2671710"/>
           </a:xfrm>
         </p:spPr>
         <p:txBody>
           <a:bodyPr>
-            <a:normAutofit lnSpcReduction="10000"/>
+            <a:normAutofit/>
           </a:bodyPr>
           <a:lstStyle/>
           <a:p>
             <a:r>
-              <a:rPr lang="de-DE" sz="3000" dirty="0"/>
+              <a:rPr lang="de-DE" dirty="0"/>
               <a:t>Investoren</a:t>
             </a:r>
           </a:p>
           <a:p>
             <a:r>
-              <a:rPr lang="de-DE" sz="3000" dirty="0"/>
+              <a:rPr lang="de-DE" dirty="0"/>
               <a:t>App-Entwicklung</a:t>
             </a:r>
           </a:p>
           <a:p>
             <a:r>
-              <a:rPr lang="de-DE" sz="3000" dirty="0"/>
+              <a:rPr lang="de-DE" dirty="0"/>
               <a:t>Veröffentlichung  &amp; Vermarktung</a:t>
             </a:r>
           </a:p>
           <a:p>
             <a:r>
-              <a:rPr lang="de-DE" sz="3000" dirty="0"/>
+              <a:rPr lang="de-DE" dirty="0"/>
               <a:t>Expansion</a:t>
             </a:r>
-          </a:p>
-          <a:p>
-            <a:pPr marL="0" indent="0">
-              <a:buNone/>
-            </a:pPr>
-            <a:endParaRPr lang="de-DE" dirty="0"/>
-          </a:p>
-          <a:p>
-            <a:pPr marL="0" indent="0">
-              <a:buNone/>
-            </a:pPr>
-            <a:endParaRPr lang="de-DE" dirty="0"/>
-          </a:p>
-          <a:p>
-            <a:endParaRPr lang="de-DE" dirty="0"/>
           </a:p>
         </p:txBody>
       </p:sp>
@@ -19393,7 +19366,7 @@
         </p:nvSpPr>
         <p:spPr>
           <a:xfrm>
-            <a:off x="7221795" y="2386064"/>
+            <a:off x="7282685" y="2386065"/>
             <a:ext cx="4353605" cy="2048285"/>
           </a:xfrm>
           <a:prstGeom prst="rect">

--- a/existenzgruendung/Schnabelpoint.pptx
+++ b/existenzgruendung/Schnabelpoint.pptx
@@ -5,10 +5,10 @@
     <p:sldMasterId id="2147483648" r:id="rId1"/>
   </p:sldMasterIdLst>
   <p:notesMasterIdLst>
-    <p:notesMasterId r:id="rId13"/>
+    <p:notesMasterId r:id="rId14"/>
   </p:notesMasterIdLst>
   <p:handoutMasterIdLst>
-    <p:handoutMasterId r:id="rId14"/>
+    <p:handoutMasterId r:id="rId15"/>
   </p:handoutMasterIdLst>
   <p:sldIdLst>
     <p:sldId id="256" r:id="rId2"/>
@@ -22,6 +22,7 @@
     <p:sldId id="268" r:id="rId10"/>
     <p:sldId id="265" r:id="rId11"/>
     <p:sldId id="266" r:id="rId12"/>
+    <p:sldId id="269" r:id="rId13"/>
   </p:sldIdLst>
   <p:sldSz cx="12192000" cy="6858000"/>
   <p:notesSz cx="6858000" cy="9144000"/>
@@ -8638,12 +8639,6 @@
           <a:p>
             <a:r>
               <a:rPr lang="de-DE" dirty="0"/>
-              <a:t>Grafik Marko</a:t>
-            </a:r>
-          </a:p>
-          <a:p>
-            <a:r>
-              <a:rPr lang="de-DE" dirty="0"/>
               <a:t>Illu Olivia</a:t>
             </a:r>
           </a:p>
@@ -8651,6 +8646,12 @@
             <a:r>
               <a:rPr lang="de-DE" dirty="0"/>
               <a:t>Illu Celina</a:t>
+            </a:r>
+          </a:p>
+          <a:p>
+            <a:r>
+              <a:rPr lang="de-DE" dirty="0"/>
+              <a:t>Grafik Marko</a:t>
             </a:r>
           </a:p>
           <a:p>
@@ -11022,6 +11023,44 @@
           </a:p>
         </p:txBody>
       </p:sp>
+      <p:sp>
+        <p:nvSpPr>
+          <p:cNvPr id="4" name="Inhaltsplatzhalter 2">
+            <a:extLst>
+              <a:ext uri="{FF2B5EF4-FFF2-40B4-BE49-F238E27FC236}">
+                <a16:creationId xmlns:a16="http://schemas.microsoft.com/office/drawing/2014/main" id="{129AD731-1332-D1D3-DF7E-AFB72F364C8A}"/>
+              </a:ext>
+            </a:extLst>
+          </p:cNvPr>
+          <p:cNvSpPr>
+            <a:spLocks noGrp="1"/>
+          </p:cNvSpPr>
+          <p:nvPr>
+            <p:ph idx="1"/>
+          </p:nvPr>
+        </p:nvSpPr>
+        <p:spPr>
+          <a:xfrm>
+            <a:off x="11231593" y="198407"/>
+            <a:ext cx="767381" cy="366319"/>
+          </a:xfrm>
+        </p:spPr>
+        <p:txBody>
+          <a:bodyPr>
+            <a:normAutofit/>
+          </a:bodyPr>
+          <a:lstStyle/>
+          <a:p>
+            <a:pPr marL="0" indent="0">
+              <a:buNone/>
+            </a:pPr>
+            <a:r>
+              <a:rPr lang="de-DE" sz="1200" dirty="0"/>
+              <a:t>GIF: 4</a:t>
+            </a:r>
+          </a:p>
+        </p:txBody>
+      </p:sp>
     </p:spTree>
     <p:extLst>
       <p:ext uri="{BB962C8B-B14F-4D97-AF65-F5344CB8AC3E}">
@@ -11609,6 +11648,49 @@
                                   </p:childTnLst>
                                 </p:cTn>
                               </p:par>
+                              <p:par>
+                                <p:cTn id="26" presetID="10" presetClass="exit" presetSubtype="0" fill="hold" grpId="0" nodeType="withEffect">
+                                  <p:stCondLst>
+                                    <p:cond delay="0"/>
+                                  </p:stCondLst>
+                                  <p:childTnLst>
+                                    <p:animEffect transition="out" filter="fade">
+                                      <p:cBhvr>
+                                        <p:cTn id="27" dur="500"/>
+                                        <p:tgtEl>
+                                          <p:spTgt spid="4">
+                                            <p:txEl>
+                                              <p:pRg st="0" end="0"/>
+                                            </p:txEl>
+                                          </p:spTgt>
+                                        </p:tgtEl>
+                                      </p:cBhvr>
+                                    </p:animEffect>
+                                    <p:set>
+                                      <p:cBhvr>
+                                        <p:cTn id="28" dur="1" fill="hold">
+                                          <p:stCondLst>
+                                            <p:cond delay="499"/>
+                                          </p:stCondLst>
+                                        </p:cTn>
+                                        <p:tgtEl>
+                                          <p:spTgt spid="4">
+                                            <p:txEl>
+                                              <p:pRg st="0" end="0"/>
+                                            </p:txEl>
+                                          </p:spTgt>
+                                        </p:tgtEl>
+                                        <p:attrNameLst>
+                                          <p:attrName>style.visibility</p:attrName>
+                                        </p:attrNameLst>
+                                      </p:cBhvr>
+                                      <p:to>
+                                        <p:strVal val="hidden"/>
+                                      </p:to>
+                                    </p:set>
+                                  </p:childTnLst>
+                                </p:cTn>
+                              </p:par>
                             </p:childTnLst>
                           </p:cTn>
                         </p:par>
@@ -11616,26 +11698,26 @@
                     </p:cTn>
                   </p:par>
                   <p:par>
-                    <p:cTn id="26" fill="hold">
+                    <p:cTn id="29" fill="hold">
                       <p:stCondLst>
                         <p:cond delay="indefinite"/>
                       </p:stCondLst>
                       <p:childTnLst>
                         <p:par>
-                          <p:cTn id="27" fill="hold">
+                          <p:cTn id="30" fill="hold">
                             <p:stCondLst>
                               <p:cond delay="0"/>
                             </p:stCondLst>
                             <p:childTnLst>
                               <p:par>
-                                <p:cTn id="28" presetID="26" presetClass="entr" presetSubtype="0" fill="hold" nodeType="clickEffect">
+                                <p:cTn id="31" presetID="26" presetClass="entr" presetSubtype="0" fill="hold" nodeType="clickEffect">
                                   <p:stCondLst>
                                     <p:cond delay="0"/>
                                   </p:stCondLst>
                                   <p:childTnLst>
                                     <p:set>
                                       <p:cBhvr>
-                                        <p:cTn id="29" dur="1" fill="hold">
+                                        <p:cTn id="32" dur="1" fill="hold">
                                           <p:stCondLst>
                                             <p:cond delay="0"/>
                                           </p:stCondLst>
@@ -11653,7 +11735,7 @@
                                     </p:set>
                                     <p:animEffect transition="in" filter="wipe(down)">
                                       <p:cBhvr>
-                                        <p:cTn id="30" dur="580">
+                                        <p:cTn id="33" dur="580">
                                           <p:stCondLst>
                                             <p:cond delay="0"/>
                                           </p:stCondLst>
@@ -11665,7 +11747,7 @@
                                     </p:animEffect>
                                     <p:anim calcmode="lin" valueType="num">
                                       <p:cBhvr>
-                                        <p:cTn id="31" dur="1822" tmFilter="0,0; 0.14,0.36; 0.43,0.73; 0.71,0.91; 1.0,1.0">
+                                        <p:cTn id="34" dur="1822" tmFilter="0,0; 0.14,0.36; 0.43,0.73; 0.71,0.91; 1.0,1.0">
                                           <p:stCondLst>
                                             <p:cond delay="0"/>
                                           </p:stCondLst>
@@ -11692,7 +11774,7 @@
                                     </p:anim>
                                     <p:anim calcmode="lin" valueType="num">
                                       <p:cBhvr>
-                                        <p:cTn id="32" dur="664" tmFilter="0.0,0.0; 0.25,0.07; 0.50,0.2; 0.75,0.467; 1.0,1.0">
+                                        <p:cTn id="35" dur="664" tmFilter="0.0,0.0; 0.25,0.07; 0.50,0.2; 0.75,0.467; 1.0,1.0">
                                           <p:stCondLst>
                                             <p:cond delay="0"/>
                                           </p:stCondLst>
@@ -11719,7 +11801,7 @@
                                     </p:anim>
                                     <p:anim calcmode="lin" valueType="num">
                                       <p:cBhvr>
-                                        <p:cTn id="33" dur="664" tmFilter="0, 0; 0.125,0.2665; 0.25,0.4; 0.375,0.465; 0.5,0.5;  0.625,0.535; 0.75,0.6; 0.875,0.7335; 1,1">
+                                        <p:cTn id="36" dur="664" tmFilter="0, 0; 0.125,0.2665; 0.25,0.4; 0.375,0.465; 0.5,0.5;  0.625,0.535; 0.75,0.6; 0.875,0.7335; 1,1">
                                           <p:stCondLst>
                                             <p:cond delay="664"/>
                                           </p:stCondLst>
@@ -11746,7 +11828,7 @@
                                     </p:anim>
                                     <p:anim calcmode="lin" valueType="num">
                                       <p:cBhvr>
-                                        <p:cTn id="34" dur="332" tmFilter="0, 0; 0.125,0.2665; 0.25,0.4; 0.375,0.465; 0.5,0.5;  0.625,0.535; 0.75,0.6; 0.875,0.7335; 1,1">
+                                        <p:cTn id="37" dur="332" tmFilter="0, 0; 0.125,0.2665; 0.25,0.4; 0.375,0.465; 0.5,0.5;  0.625,0.535; 0.75,0.6; 0.875,0.7335; 1,1">
                                           <p:stCondLst>
                                             <p:cond delay="1324"/>
                                           </p:stCondLst>
@@ -11773,7 +11855,7 @@
                                     </p:anim>
                                     <p:anim calcmode="lin" valueType="num">
                                       <p:cBhvr>
-                                        <p:cTn id="35" dur="164" tmFilter="0, 0; 0.125,0.2665; 0.25,0.4; 0.375,0.465; 0.5,0.5;  0.625,0.535; 0.75,0.6; 0.875,0.7335; 1,1">
+                                        <p:cTn id="38" dur="164" tmFilter="0, 0; 0.125,0.2665; 0.25,0.4; 0.375,0.465; 0.5,0.5;  0.625,0.535; 0.75,0.6; 0.875,0.7335; 1,1">
                                           <p:stCondLst>
                                             <p:cond delay="1656"/>
                                           </p:stCondLst>
@@ -11800,7 +11882,7 @@
                                     </p:anim>
                                     <p:animScale>
                                       <p:cBhvr>
-                                        <p:cTn id="36" dur="26">
+                                        <p:cTn id="39" dur="26">
                                           <p:stCondLst>
                                             <p:cond delay="650"/>
                                           </p:stCondLst>
@@ -11813,7 +11895,7 @@
                                     </p:animScale>
                                     <p:animScale>
                                       <p:cBhvr>
-                                        <p:cTn id="37" dur="166" decel="50000">
+                                        <p:cTn id="40" dur="166" decel="50000">
                                           <p:stCondLst>
                                             <p:cond delay="676"/>
                                           </p:stCondLst>
@@ -11826,7 +11908,7 @@
                                     </p:animScale>
                                     <p:animScale>
                                       <p:cBhvr>
-                                        <p:cTn id="38" dur="26">
+                                        <p:cTn id="41" dur="26">
                                           <p:stCondLst>
                                             <p:cond delay="1312"/>
                                           </p:stCondLst>
@@ -11839,7 +11921,7 @@
                                     </p:animScale>
                                     <p:animScale>
                                       <p:cBhvr>
-                                        <p:cTn id="39" dur="166" decel="50000">
+                                        <p:cTn id="42" dur="166" decel="50000">
                                           <p:stCondLst>
                                             <p:cond delay="1338"/>
                                           </p:stCondLst>
@@ -11852,7 +11934,7 @@
                                     </p:animScale>
                                     <p:animScale>
                                       <p:cBhvr>
-                                        <p:cTn id="40" dur="26">
+                                        <p:cTn id="43" dur="26">
                                           <p:stCondLst>
                                             <p:cond delay="1642"/>
                                           </p:stCondLst>
@@ -11865,7 +11947,7 @@
                                     </p:animScale>
                                     <p:animScale>
                                       <p:cBhvr>
-                                        <p:cTn id="41" dur="166" decel="50000">
+                                        <p:cTn id="44" dur="166" decel="50000">
                                           <p:stCondLst>
                                             <p:cond delay="1668"/>
                                           </p:stCondLst>
@@ -11878,7 +11960,7 @@
                                     </p:animScale>
                                     <p:animScale>
                                       <p:cBhvr>
-                                        <p:cTn id="42" dur="26">
+                                        <p:cTn id="45" dur="26">
                                           <p:stCondLst>
                                             <p:cond delay="1808"/>
                                           </p:stCondLst>
@@ -11891,7 +11973,7 @@
                                     </p:animScale>
                                     <p:animScale>
                                       <p:cBhvr>
-                                        <p:cTn id="43" dur="166" decel="50000">
+                                        <p:cTn id="46" dur="166" decel="50000">
                                           <p:stCondLst>
                                             <p:cond delay="1834"/>
                                           </p:stCondLst>
@@ -11906,14 +11988,14 @@
                                 </p:cTn>
                               </p:par>
                               <p:par>
-                                <p:cTn id="44" presetID="10" presetClass="entr" presetSubtype="0" fill="hold" grpId="0" nodeType="withEffect">
+                                <p:cTn id="47" presetID="10" presetClass="entr" presetSubtype="0" fill="hold" grpId="0" nodeType="withEffect">
                                   <p:stCondLst>
                                     <p:cond delay="0"/>
                                   </p:stCondLst>
                                   <p:childTnLst>
                                     <p:set>
                                       <p:cBhvr>
-                                        <p:cTn id="45" dur="1" fill="hold">
+                                        <p:cTn id="48" dur="1" fill="hold">
                                           <p:stCondLst>
                                             <p:cond delay="0"/>
                                           </p:stCondLst>
@@ -11931,7 +12013,7 @@
                                     </p:set>
                                     <p:animEffect transition="in" filter="fade">
                                       <p:cBhvr>
-                                        <p:cTn id="46" dur="500"/>
+                                        <p:cTn id="49" dur="500"/>
                                         <p:tgtEl>
                                           <p:spTgt spid="29"/>
                                         </p:tgtEl>
@@ -11970,8 +12052,624 @@
     <p:bldLst>
       <p:bldP spid="2" grpId="0"/>
       <p:bldP spid="29" grpId="0"/>
+      <p:bldP spid="4" grpId="0" build="p"/>
     </p:bldLst>
   </p:timing>
+</p:sld>
+</file>
+
+<file path=ppt/slides/slide12.xml><?xml version="1.0" encoding="utf-8"?>
+<p:sld xmlns:a="http://schemas.openxmlformats.org/drawingml/2006/main" xmlns:r="http://schemas.openxmlformats.org/officeDocument/2006/relationships" xmlns:p="http://schemas.openxmlformats.org/presentationml/2006/main">
+  <p:cSld>
+    <p:bg>
+      <p:bgPr>
+        <a:solidFill>
+          <a:schemeClr val="bg1"/>
+        </a:solidFill>
+        <a:effectLst/>
+      </p:bgPr>
+    </p:bg>
+    <p:spTree>
+      <p:nvGrpSpPr>
+        <p:cNvPr id="1" name=""/>
+        <p:cNvGrpSpPr/>
+        <p:nvPr/>
+      </p:nvGrpSpPr>
+      <p:grpSpPr>
+        <a:xfrm>
+          <a:off x="0" y="0"/>
+          <a:ext cx="0" cy="0"/>
+          <a:chOff x="0" y="0"/>
+          <a:chExt cx="0" cy="0"/>
+        </a:xfrm>
+      </p:grpSpPr>
+      <p:sp useBgFill="1">
+        <p:nvSpPr>
+          <p:cNvPr id="8" name="Rectangle 7">
+            <a:extLst>
+              <a:ext uri="{FF2B5EF4-FFF2-40B4-BE49-F238E27FC236}">
+                <a16:creationId xmlns:a16="http://schemas.microsoft.com/office/drawing/2014/main" id="{1BB867FF-FC45-48F7-8104-F89BE54909F1}"/>
+              </a:ext>
+              <a:ext uri="{C183D7F6-B498-43B3-948B-1728B52AA6E4}">
+                <adec:decorative xmlns:adec="http://schemas.microsoft.com/office/drawing/2017/decorative" val="1"/>
+              </a:ext>
+            </a:extLst>
+          </p:cNvPr>
+          <p:cNvSpPr>
+            <a:spLocks noGrp="1" noRot="1" noChangeAspect="1" noMove="1" noResize="1" noEditPoints="1" noAdjustHandles="1" noChangeArrowheads="1" noChangeShapeType="1" noTextEdit="1"/>
+          </p:cNvSpPr>
+          <p:nvPr>
+            <p:extLst>
+              <p:ext uri="{386F3935-93C4-4BCD-93E2-E3B085C9AB24}">
+                <p16:designElem xmlns:p16="http://schemas.microsoft.com/office/powerpoint/2015/main" val="1"/>
+              </p:ext>
+            </p:extLst>
+          </p:nvPr>
+        </p:nvSpPr>
+        <p:spPr>
+          <a:xfrm>
+            <a:off x="3048" y="0"/>
+            <a:ext cx="12188952" cy="6858000"/>
+          </a:xfrm>
+          <a:prstGeom prst="rect">
+            <a:avLst/>
+          </a:prstGeom>
+          <a:ln>
+            <a:noFill/>
+          </a:ln>
+        </p:spPr>
+        <p:style>
+          <a:lnRef idx="2">
+            <a:schemeClr val="accent1">
+              <a:shade val="50000"/>
+            </a:schemeClr>
+          </a:lnRef>
+          <a:fillRef idx="1">
+            <a:schemeClr val="accent1"/>
+          </a:fillRef>
+          <a:effectRef idx="0">
+            <a:schemeClr val="accent1"/>
+          </a:effectRef>
+          <a:fontRef idx="minor">
+            <a:schemeClr val="lt1"/>
+          </a:fontRef>
+        </p:style>
+        <p:txBody>
+          <a:bodyPr rtlCol="0" anchor="ctr"/>
+          <a:lstStyle/>
+          <a:p>
+            <a:pPr algn="ctr"/>
+            <a:endParaRPr lang="en-US"/>
+          </a:p>
+        </p:txBody>
+      </p:sp>
+      <p:sp>
+        <p:nvSpPr>
+          <p:cNvPr id="10" name="Freeform: Shape 9">
+            <a:extLst>
+              <a:ext uri="{FF2B5EF4-FFF2-40B4-BE49-F238E27FC236}">
+                <a16:creationId xmlns:a16="http://schemas.microsoft.com/office/drawing/2014/main" id="{8BB56887-D0D5-4F0C-9E19-7247EB83C8B7}"/>
+              </a:ext>
+              <a:ext uri="{C183D7F6-B498-43B3-948B-1728B52AA6E4}">
+                <adec:decorative xmlns:adec="http://schemas.microsoft.com/office/drawing/2017/decorative" val="1"/>
+              </a:ext>
+            </a:extLst>
+          </p:cNvPr>
+          <p:cNvSpPr>
+            <a:spLocks noGrp="1" noRot="1" noChangeAspect="1" noMove="1" noResize="1" noEditPoints="1" noAdjustHandles="1" noChangeArrowheads="1" noChangeShapeType="1" noTextEdit="1"/>
+          </p:cNvSpPr>
+          <p:nvPr>
+            <p:extLst>
+              <p:ext uri="{386F3935-93C4-4BCD-93E2-E3B085C9AB24}">
+                <p16:designElem xmlns:p16="http://schemas.microsoft.com/office/powerpoint/2015/main" val="1"/>
+              </p:ext>
+            </p:extLst>
+          </p:nvPr>
+        </p:nvSpPr>
+        <p:spPr>
+          <a:xfrm>
+            <a:off x="10208695" y="1"/>
+            <a:ext cx="1135066" cy="477997"/>
+          </a:xfrm>
+          <a:custGeom>
+            <a:avLst/>
+            <a:gdLst>
+              <a:gd name="connsiteX0" fmla="*/ 0 w 1135066"/>
+              <a:gd name="connsiteY0" fmla="*/ 0 h 477997"/>
+              <a:gd name="connsiteX1" fmla="*/ 1135066 w 1135066"/>
+              <a:gd name="connsiteY1" fmla="*/ 0 h 477997"/>
+              <a:gd name="connsiteX2" fmla="*/ 1133370 w 1135066"/>
+              <a:gd name="connsiteY2" fmla="*/ 16827 h 477997"/>
+              <a:gd name="connsiteX3" fmla="*/ 567533 w 1135066"/>
+              <a:gd name="connsiteY3" fmla="*/ 477997 h 477997"/>
+              <a:gd name="connsiteX4" fmla="*/ 1696 w 1135066"/>
+              <a:gd name="connsiteY4" fmla="*/ 16827 h 477997"/>
+            </a:gdLst>
+            <a:ahLst/>
+            <a:cxnLst>
+              <a:cxn ang="0">
+                <a:pos x="connsiteX0" y="connsiteY0"/>
+              </a:cxn>
+              <a:cxn ang="0">
+                <a:pos x="connsiteX1" y="connsiteY1"/>
+              </a:cxn>
+              <a:cxn ang="0">
+                <a:pos x="connsiteX2" y="connsiteY2"/>
+              </a:cxn>
+              <a:cxn ang="0">
+                <a:pos x="connsiteX3" y="connsiteY3"/>
+              </a:cxn>
+              <a:cxn ang="0">
+                <a:pos x="connsiteX4" y="connsiteY4"/>
+              </a:cxn>
+            </a:cxnLst>
+            <a:rect l="l" t="t" r="r" b="b"/>
+            <a:pathLst>
+              <a:path w="1135066" h="477997">
+                <a:moveTo>
+                  <a:pt x="0" y="0"/>
+                </a:moveTo>
+                <a:lnTo>
+                  <a:pt x="1135066" y="0"/>
+                </a:lnTo>
+                <a:lnTo>
+                  <a:pt x="1133370" y="16827"/>
+                </a:lnTo>
+                <a:cubicBezTo>
+                  <a:pt x="1079514" y="280016"/>
+                  <a:pt x="846644" y="477997"/>
+                  <a:pt x="567533" y="477997"/>
+                </a:cubicBezTo>
+                <a:cubicBezTo>
+                  <a:pt x="288422" y="477997"/>
+                  <a:pt x="55552" y="280016"/>
+                  <a:pt x="1696" y="16827"/>
+                </a:cubicBezTo>
+                <a:close/>
+              </a:path>
+            </a:pathLst>
+          </a:custGeom>
+          <a:solidFill>
+            <a:schemeClr val="accent4"/>
+          </a:solidFill>
+          <a:ln>
+            <a:noFill/>
+          </a:ln>
+        </p:spPr>
+        <p:style>
+          <a:lnRef idx="2">
+            <a:schemeClr val="accent1">
+              <a:shade val="50000"/>
+            </a:schemeClr>
+          </a:lnRef>
+          <a:fillRef idx="1">
+            <a:schemeClr val="accent1"/>
+          </a:fillRef>
+          <a:effectRef idx="0">
+            <a:schemeClr val="accent1"/>
+          </a:effectRef>
+          <a:fontRef idx="minor">
+            <a:schemeClr val="lt1"/>
+          </a:fontRef>
+        </p:style>
+        <p:txBody>
+          <a:bodyPr wrap="square" rtlCol="0" anchor="ctr">
+            <a:noAutofit/>
+          </a:bodyPr>
+          <a:lstStyle/>
+          <a:p>
+            <a:pPr algn="ctr"/>
+            <a:endParaRPr lang="en-US"/>
+          </a:p>
+        </p:txBody>
+      </p:sp>
+      <p:sp>
+        <p:nvSpPr>
+          <p:cNvPr id="2" name="Titel 1">
+            <a:extLst>
+              <a:ext uri="{FF2B5EF4-FFF2-40B4-BE49-F238E27FC236}">
+                <a16:creationId xmlns:a16="http://schemas.microsoft.com/office/drawing/2014/main" id="{0C1EEB92-1926-3FBA-C8A1-DDE00F927E7F}"/>
+              </a:ext>
+            </a:extLst>
+          </p:cNvPr>
+          <p:cNvSpPr>
+            <a:spLocks noGrp="1"/>
+          </p:cNvSpPr>
+          <p:nvPr>
+            <p:ph type="title"/>
+          </p:nvPr>
+        </p:nvSpPr>
+        <p:spPr>
+          <a:xfrm>
+            <a:off x="838200" y="365125"/>
+            <a:ext cx="10515600" cy="1325563"/>
+          </a:xfrm>
+        </p:spPr>
+        <p:txBody>
+          <a:bodyPr>
+            <a:normAutofit/>
+          </a:bodyPr>
+          <a:lstStyle/>
+          <a:p>
+            <a:r>
+              <a:rPr lang="de-DE" dirty="0"/>
+              <a:t>Quellen</a:t>
+            </a:r>
+          </a:p>
+        </p:txBody>
+      </p:sp>
+      <p:sp>
+        <p:nvSpPr>
+          <p:cNvPr id="12" name="Arc 11">
+            <a:extLst>
+              <a:ext uri="{FF2B5EF4-FFF2-40B4-BE49-F238E27FC236}">
+                <a16:creationId xmlns:a16="http://schemas.microsoft.com/office/drawing/2014/main" id="{081E4A58-353D-44AE-B2FC-2A74E2E400F7}"/>
+              </a:ext>
+              <a:ext uri="{C183D7F6-B498-43B3-948B-1728B52AA6E4}">
+                <adec:decorative xmlns:adec="http://schemas.microsoft.com/office/drawing/2017/decorative" val="1"/>
+              </a:ext>
+            </a:extLst>
+          </p:cNvPr>
+          <p:cNvSpPr>
+            <a:spLocks noGrp="1" noRot="1" noChangeAspect="1" noMove="1" noResize="1" noEditPoints="1" noAdjustHandles="1" noChangeArrowheads="1" noChangeShapeType="1" noTextEdit="1"/>
+          </p:cNvSpPr>
+          <p:nvPr>
+            <p:extLst>
+              <p:ext uri="{386F3935-93C4-4BCD-93E2-E3B085C9AB24}">
+                <p16:designElem xmlns:p16="http://schemas.microsoft.com/office/powerpoint/2015/main" val="1"/>
+              </p:ext>
+            </p:extLst>
+          </p:nvPr>
+        </p:nvSpPr>
+        <p:spPr>
+          <a:xfrm rot="5400000" flipV="1">
+            <a:off x="555710" y="2183223"/>
+            <a:ext cx="4083433" cy="4083433"/>
+          </a:xfrm>
+          <a:prstGeom prst="arc">
+            <a:avLst/>
+          </a:prstGeom>
+          <a:ln w="127000" cap="rnd">
+            <a:solidFill>
+              <a:schemeClr val="accent4"/>
+            </a:solidFill>
+            <a:prstDash val="dash"/>
+          </a:ln>
+        </p:spPr>
+        <p:style>
+          <a:lnRef idx="1">
+            <a:schemeClr val="accent1"/>
+          </a:lnRef>
+          <a:fillRef idx="0">
+            <a:schemeClr val="accent1"/>
+          </a:fillRef>
+          <a:effectRef idx="0">
+            <a:schemeClr val="accent1"/>
+          </a:effectRef>
+          <a:fontRef idx="minor">
+            <a:schemeClr val="tx1"/>
+          </a:fontRef>
+        </p:style>
+        <p:txBody>
+          <a:bodyPr rtlCol="0" anchor="ctr"/>
+          <a:lstStyle/>
+          <a:p>
+            <a:pPr algn="ctr"/>
+            <a:endParaRPr lang="en-US" dirty="0"/>
+          </a:p>
+        </p:txBody>
+      </p:sp>
+      <p:sp>
+        <p:nvSpPr>
+          <p:cNvPr id="3" name="Inhaltsplatzhalter 2">
+            <a:extLst>
+              <a:ext uri="{FF2B5EF4-FFF2-40B4-BE49-F238E27FC236}">
+                <a16:creationId xmlns:a16="http://schemas.microsoft.com/office/drawing/2014/main" id="{27F18598-B1EC-8879-1095-2C2985FC9205}"/>
+              </a:ext>
+            </a:extLst>
+          </p:cNvPr>
+          <p:cNvSpPr>
+            <a:spLocks noGrp="1"/>
+          </p:cNvSpPr>
+          <p:nvPr>
+            <p:ph idx="1"/>
+          </p:nvPr>
+        </p:nvSpPr>
+        <p:spPr>
+          <a:xfrm>
+            <a:off x="838200" y="2055812"/>
+            <a:ext cx="10515600" cy="4083434"/>
+          </a:xfrm>
+        </p:spPr>
+        <p:txBody>
+          <a:bodyPr>
+            <a:normAutofit/>
+          </a:bodyPr>
+          <a:lstStyle/>
+          <a:p>
+            <a:pPr marL="514350" indent="-514350">
+              <a:buFont typeface="+mj-lt"/>
+              <a:buAutoNum type="arabicPeriod"/>
+            </a:pPr>
+            <a:r>
+              <a:rPr lang="de-DE" sz="2000" dirty="0"/>
+              <a:t>https://www.desired.de/liebe/bumble-for-friends-so-funktioniert-die-dating-app-fuer-freundschaften--01HP6YM672RZ2FE1VV1P9ND5Q7#:~:</a:t>
+            </a:r>
+            <a:r>
+              <a:rPr lang="de-DE" sz="2000" dirty="0" err="1"/>
+              <a:t>text</a:t>
+            </a:r>
+            <a:r>
+              <a:rPr lang="de-DE" sz="2000" dirty="0"/>
+              <a:t>=Mittlerweile%20wurde%20das%20Ganze%20noch,„Bumble%20For%20Friends“%20gelauncht.</a:t>
+            </a:r>
+          </a:p>
+          <a:p>
+            <a:pPr marL="514350" indent="-514350">
+              <a:buFont typeface="+mj-lt"/>
+              <a:buAutoNum type="arabicPeriod"/>
+            </a:pPr>
+            <a:r>
+              <a:rPr lang="de-DE" sz="2000" dirty="0"/>
+              <a:t>https://de.statista.com/statistik/daten/studie/199049/umfrage/anzahl-der-deutschen-studierenden-an-universitaeten-und-fachhochschulen/</a:t>
+            </a:r>
+          </a:p>
+          <a:p>
+            <a:pPr marL="514350" indent="-514350">
+              <a:buFont typeface="+mj-lt"/>
+              <a:buAutoNum type="arabicPeriod"/>
+            </a:pPr>
+            <a:r>
+              <a:rPr lang="de-DE" sz="2000" dirty="0"/>
+              <a:t>https://aws.amazon.com/ec2/instance-types/t3/</a:t>
+            </a:r>
+          </a:p>
+          <a:p>
+            <a:pPr marL="514350" indent="-514350">
+              <a:buFont typeface="+mj-lt"/>
+              <a:buAutoNum type="arabicPeriod"/>
+            </a:pPr>
+            <a:r>
+              <a:rPr lang="de-DE" sz="2000" dirty="0"/>
+              <a:t>GIF: https://images.app.goo.gl/FepXTfAUkEMTddAaA</a:t>
+            </a:r>
+          </a:p>
+        </p:txBody>
+      </p:sp>
+      <p:pic>
+        <p:nvPicPr>
+          <p:cNvPr id="5" name="Grafik 4" descr="Ein Bild, das Clipart, Cartoon, Darstellung enthält.&#10;&#10;Automatisch generierte Beschreibung">
+            <a:extLst>
+              <a:ext uri="{FF2B5EF4-FFF2-40B4-BE49-F238E27FC236}">
+                <a16:creationId xmlns:a16="http://schemas.microsoft.com/office/drawing/2014/main" id="{101E6714-30F1-91AE-D852-9507E957A394}"/>
+              </a:ext>
+            </a:extLst>
+          </p:cNvPr>
+          <p:cNvPicPr>
+            <a:picLocks noChangeAspect="1"/>
+          </p:cNvPicPr>
+          <p:nvPr/>
+        </p:nvPicPr>
+        <p:blipFill>
+          <a:blip r:embed="rId2">
+            <a:extLst>
+              <a:ext uri="{28A0092B-C50C-407E-A947-70E740481C1C}">
+                <a14:useLocalDpi xmlns:a14="http://schemas.microsoft.com/office/drawing/2010/main" val="0"/>
+              </a:ext>
+            </a:extLst>
+          </a:blip>
+          <a:stretch>
+            <a:fillRect/>
+          </a:stretch>
+        </p:blipFill>
+        <p:spPr>
+          <a:xfrm>
+            <a:off x="10208695" y="5161395"/>
+            <a:ext cx="1135066" cy="1105261"/>
+          </a:xfrm>
+          <a:prstGeom prst="rect">
+            <a:avLst/>
+          </a:prstGeom>
+        </p:spPr>
+      </p:pic>
+      <p:sp>
+        <p:nvSpPr>
+          <p:cNvPr id="6" name="Datumsplatzhalter 5">
+            <a:extLst>
+              <a:ext uri="{FF2B5EF4-FFF2-40B4-BE49-F238E27FC236}">
+                <a16:creationId xmlns:a16="http://schemas.microsoft.com/office/drawing/2014/main" id="{73F09D73-43C0-B23C-5B8B-AF91EC8B2A8A}"/>
+              </a:ext>
+            </a:extLst>
+          </p:cNvPr>
+          <p:cNvSpPr>
+            <a:spLocks noGrp="1"/>
+          </p:cNvSpPr>
+          <p:nvPr>
+            <p:ph type="dt" sz="half" idx="10"/>
+          </p:nvPr>
+        </p:nvSpPr>
+        <p:spPr/>
+        <p:txBody>
+          <a:bodyPr/>
+          <a:lstStyle/>
+          <a:p>
+            <a:r>
+              <a:rPr lang="de-DE"/>
+              <a:t>11.07.2024</a:t>
+            </a:r>
+            <a:endParaRPr lang="de-DE" dirty="0"/>
+          </a:p>
+        </p:txBody>
+      </p:sp>
+      <p:sp>
+        <p:nvSpPr>
+          <p:cNvPr id="7" name="Fußzeilenplatzhalter 6">
+            <a:extLst>
+              <a:ext uri="{FF2B5EF4-FFF2-40B4-BE49-F238E27FC236}">
+                <a16:creationId xmlns:a16="http://schemas.microsoft.com/office/drawing/2014/main" id="{63839CD1-2082-B086-64D9-6327ACBB19EC}"/>
+              </a:ext>
+            </a:extLst>
+          </p:cNvPr>
+          <p:cNvSpPr>
+            <a:spLocks noGrp="1"/>
+          </p:cNvSpPr>
+          <p:nvPr>
+            <p:ph type="ftr" sz="quarter" idx="11"/>
+          </p:nvPr>
+        </p:nvSpPr>
+        <p:spPr/>
+        <p:txBody>
+          <a:bodyPr/>
+          <a:lstStyle/>
+          <a:p>
+            <a:r>
+              <a:rPr lang="de-DE"/>
+              <a:t>Olivia, Marko, Laurin, Celina, Larry</a:t>
+            </a:r>
+            <a:endParaRPr lang="de-DE" dirty="0"/>
+          </a:p>
+        </p:txBody>
+      </p:sp>
+      <p:sp>
+        <p:nvSpPr>
+          <p:cNvPr id="9" name="Datumsplatzhalter 28">
+            <a:extLst>
+              <a:ext uri="{FF2B5EF4-FFF2-40B4-BE49-F238E27FC236}">
+                <a16:creationId xmlns:a16="http://schemas.microsoft.com/office/drawing/2014/main" id="{CEF16F0E-72BF-C3FE-045B-69C884F97219}"/>
+              </a:ext>
+            </a:extLst>
+          </p:cNvPr>
+          <p:cNvSpPr txBox="1">
+            <a:spLocks/>
+          </p:cNvSpPr>
+          <p:nvPr/>
+        </p:nvSpPr>
+        <p:spPr>
+          <a:xfrm>
+            <a:off x="9058321" y="6356349"/>
+            <a:ext cx="2300748" cy="365125"/>
+          </a:xfrm>
+          <a:prstGeom prst="rect">
+            <a:avLst/>
+          </a:prstGeom>
+        </p:spPr>
+        <p:txBody>
+          <a:bodyPr vert="horz" lIns="91440" tIns="45720" rIns="91440" bIns="45720" rtlCol="0" anchor="ctr"/>
+          <a:lstStyle>
+            <a:defPPr>
+              <a:defRPr lang="de-DE"/>
+            </a:defPPr>
+            <a:lvl1pPr marL="0" algn="l" defTabSz="914400" rtl="0" eaLnBrk="1" latinLnBrk="0" hangingPunct="1">
+              <a:defRPr sz="1200" kern="1200">
+                <a:solidFill>
+                  <a:schemeClr val="tx1">
+                    <a:tint val="82000"/>
+                  </a:schemeClr>
+                </a:solidFill>
+                <a:latin typeface="+mn-lt"/>
+                <a:ea typeface="+mn-ea"/>
+                <a:cs typeface="+mn-cs"/>
+              </a:defRPr>
+            </a:lvl1pPr>
+            <a:lvl2pPr marL="457200" algn="l" defTabSz="914400" rtl="0" eaLnBrk="1" latinLnBrk="0" hangingPunct="1">
+              <a:defRPr sz="1800" kern="1200">
+                <a:solidFill>
+                  <a:schemeClr val="tx1"/>
+                </a:solidFill>
+                <a:latin typeface="+mn-lt"/>
+                <a:ea typeface="+mn-ea"/>
+                <a:cs typeface="+mn-cs"/>
+              </a:defRPr>
+            </a:lvl2pPr>
+            <a:lvl3pPr marL="914400" algn="l" defTabSz="914400" rtl="0" eaLnBrk="1" latinLnBrk="0" hangingPunct="1">
+              <a:defRPr sz="1800" kern="1200">
+                <a:solidFill>
+                  <a:schemeClr val="tx1"/>
+                </a:solidFill>
+                <a:latin typeface="+mn-lt"/>
+                <a:ea typeface="+mn-ea"/>
+                <a:cs typeface="+mn-cs"/>
+              </a:defRPr>
+            </a:lvl3pPr>
+            <a:lvl4pPr marL="1371600" algn="l" defTabSz="914400" rtl="0" eaLnBrk="1" latinLnBrk="0" hangingPunct="1">
+              <a:defRPr sz="1800" kern="1200">
+                <a:solidFill>
+                  <a:schemeClr val="tx1"/>
+                </a:solidFill>
+                <a:latin typeface="+mn-lt"/>
+                <a:ea typeface="+mn-ea"/>
+                <a:cs typeface="+mn-cs"/>
+              </a:defRPr>
+            </a:lvl4pPr>
+            <a:lvl5pPr marL="1828800" algn="l" defTabSz="914400" rtl="0" eaLnBrk="1" latinLnBrk="0" hangingPunct="1">
+              <a:defRPr sz="1800" kern="1200">
+                <a:solidFill>
+                  <a:schemeClr val="tx1"/>
+                </a:solidFill>
+                <a:latin typeface="+mn-lt"/>
+                <a:ea typeface="+mn-ea"/>
+                <a:cs typeface="+mn-cs"/>
+              </a:defRPr>
+            </a:lvl5pPr>
+            <a:lvl6pPr marL="2286000" algn="l" defTabSz="914400" rtl="0" eaLnBrk="1" latinLnBrk="0" hangingPunct="1">
+              <a:defRPr sz="1800" kern="1200">
+                <a:solidFill>
+                  <a:schemeClr val="tx1"/>
+                </a:solidFill>
+                <a:latin typeface="+mn-lt"/>
+                <a:ea typeface="+mn-ea"/>
+                <a:cs typeface="+mn-cs"/>
+              </a:defRPr>
+            </a:lvl6pPr>
+            <a:lvl7pPr marL="2743200" algn="l" defTabSz="914400" rtl="0" eaLnBrk="1" latinLnBrk="0" hangingPunct="1">
+              <a:defRPr sz="1800" kern="1200">
+                <a:solidFill>
+                  <a:schemeClr val="tx1"/>
+                </a:solidFill>
+                <a:latin typeface="+mn-lt"/>
+                <a:ea typeface="+mn-ea"/>
+                <a:cs typeface="+mn-cs"/>
+              </a:defRPr>
+            </a:lvl7pPr>
+            <a:lvl8pPr marL="3200400" algn="l" defTabSz="914400" rtl="0" eaLnBrk="1" latinLnBrk="0" hangingPunct="1">
+              <a:defRPr sz="1800" kern="1200">
+                <a:solidFill>
+                  <a:schemeClr val="tx1"/>
+                </a:solidFill>
+                <a:latin typeface="+mn-lt"/>
+                <a:ea typeface="+mn-ea"/>
+                <a:cs typeface="+mn-cs"/>
+              </a:defRPr>
+            </a:lvl8pPr>
+            <a:lvl9pPr marL="3657600" algn="l" defTabSz="914400" rtl="0" eaLnBrk="1" latinLnBrk="0" hangingPunct="1">
+              <a:defRPr sz="1800" kern="1200">
+                <a:solidFill>
+                  <a:schemeClr val="tx1"/>
+                </a:solidFill>
+                <a:latin typeface="+mn-lt"/>
+                <a:ea typeface="+mn-ea"/>
+                <a:cs typeface="+mn-cs"/>
+              </a:defRPr>
+            </a:lvl9pPr>
+          </a:lstStyle>
+          <a:p>
+            <a:r>
+              <a:rPr lang="de-DE" dirty="0"/>
+              <a:t>	Existenzgründung</a:t>
+            </a:r>
+          </a:p>
+        </p:txBody>
+      </p:sp>
+    </p:spTree>
+    <p:extLst>
+      <p:ext uri="{BB962C8B-B14F-4D97-AF65-F5344CB8AC3E}">
+        <p14:creationId xmlns:p14="http://schemas.microsoft.com/office/powerpoint/2010/main" val="2174585179"/>
+      </p:ext>
+    </p:extLst>
+  </p:cSld>
+  <p:clrMapOvr>
+    <a:masterClrMapping/>
+  </p:clrMapOvr>
 </p:sld>
 </file>
 
@@ -17278,11 +17976,11 @@
           <a:p>
             <a:r>
               <a:rPr lang="de-DE" dirty="0"/>
-              <a:t>Apps zum Freunde finden (</a:t>
+              <a:t>Apps zum Freunde finden (Bumble</a:t>
             </a:r>
             <a:r>
-              <a:rPr lang="de-DE" dirty="0" err="1"/>
-              <a:t>Bumble</a:t>
+              <a:rPr lang="de-DE" baseline="30000" dirty="0"/>
+              <a:t>1</a:t>
             </a:r>
             <a:r>
               <a:rPr lang="de-DE" dirty="0"/>
@@ -18510,6 +19208,10 @@
             <a:r>
               <a:rPr lang="de-DE" dirty="0"/>
               <a:t>Server Kosten (8.000€)</a:t>
+            </a:r>
+            <a:r>
+              <a:rPr lang="de-DE" baseline="30000" dirty="0"/>
+              <a:t>2, 3</a:t>
             </a:r>
           </a:p>
           <a:p>
@@ -19550,7 +20252,7 @@
           <a:p>
             <a:r>
               <a:rPr lang="de-DE" dirty="0"/>
-              <a:t>Internationale Markteroberung </a:t>
+              <a:t>Internationaler Markt</a:t>
             </a:r>
           </a:p>
           <a:p>
